--- a/Documentos/SCV-ApresentacaoFaseAnalise.pptx
+++ b/Documentos/SCV-ApresentacaoFaseAnalise.pptx
@@ -2403,7 +2403,7 @@
         </p:nvSpPr>
         <p:spPr>
           <a:xfrm>
-            <a:off x="944003" y="5224380"/>
+            <a:off x="944003" y="5234922"/>
             <a:ext cx="6934200" cy="1339215"/>
           </a:xfrm>
           <a:custGeom>
@@ -2658,7 +2658,7 @@
         </p:blipFill>
         <p:spPr bwMode="auto">
           <a:xfrm>
-            <a:off x="1858403" y="1295400"/>
+            <a:off x="1858403" y="1309397"/>
             <a:ext cx="5105400" cy="3834347"/>
           </a:xfrm>
           <a:prstGeom prst="rect">
@@ -2989,7 +2989,7 @@
         </p:blipFill>
         <p:spPr bwMode="auto">
           <a:xfrm>
-            <a:off x="2588164" y="1311469"/>
+            <a:off x="2588163" y="1311468"/>
             <a:ext cx="3645877" cy="3886200"/>
           </a:xfrm>
           <a:prstGeom prst="rect">
@@ -5923,8 +5923,8 @@
         </p:nvSpPr>
         <p:spPr>
           <a:xfrm>
-            <a:off x="1038296" y="5261272"/>
-            <a:ext cx="6934200" cy="1339215"/>
+            <a:off x="1000505" y="5486400"/>
+            <a:ext cx="6934200" cy="1063328"/>
           </a:xfrm>
           <a:custGeom>
             <a:avLst/>
@@ -6178,8 +6178,8 @@
         </p:blipFill>
         <p:spPr bwMode="auto">
           <a:xfrm>
-            <a:off x="2438399" y="1246447"/>
-            <a:ext cx="4133995" cy="3957084"/>
+            <a:off x="2438399" y="1246446"/>
+            <a:ext cx="4133995" cy="4106375"/>
           </a:xfrm>
           <a:prstGeom prst="rect">
             <a:avLst/>
@@ -6204,6 +6204,92 @@
           </a:extLst>
         </p:spPr>
       </p:pic>
+      <p:sp>
+        <p:nvSpPr>
+          <p:cNvPr id="2" name="Retângulo 1"/>
+          <p:cNvSpPr/>
+          <p:nvPr/>
+        </p:nvSpPr>
+        <p:spPr>
+          <a:xfrm>
+            <a:off x="1219200" y="5620415"/>
+            <a:ext cx="5715000" cy="661720"/>
+          </a:xfrm>
+          <a:prstGeom prst="rect">
+            <a:avLst/>
+          </a:prstGeom>
+        </p:spPr>
+        <p:txBody>
+          <a:bodyPr wrap="square">
+            <a:spAutoFit/>
+          </a:bodyPr>
+          <a:lstStyle/>
+          <a:p>
+            <a:pPr algn="just">
+              <a:spcBef>
+                <a:spcPts val="300"/>
+              </a:spcBef>
+              <a:spcAft>
+                <a:spcPts val="300"/>
+              </a:spcAft>
+            </a:pPr>
+            <a:r>
+              <a:rPr lang="pt-BR" sz="1600" b="1" dirty="0">
+                <a:solidFill>
+                  <a:srgbClr val="000000"/>
+                </a:solidFill>
+                <a:latin typeface="Arial" panose="020B0604020202020204" pitchFamily="34" charset="0"/>
+                <a:ea typeface="Times New Roman" panose="02020603050405020304" pitchFamily="18" charset="0"/>
+                <a:cs typeface="Arial" panose="020B0604020202020204" pitchFamily="34" charset="0"/>
+              </a:rPr>
+              <a:t>Requisitos Não Funcionais e Regras de Negócio:</a:t>
+            </a:r>
+            <a:endParaRPr lang="pt-BR" sz="1600" i="1" dirty="0">
+              <a:solidFill>
+                <a:srgbClr val="000000"/>
+              </a:solidFill>
+              <a:latin typeface="Arial" panose="020B0604020202020204" pitchFamily="34" charset="0"/>
+              <a:ea typeface="Times New Roman" panose="02020603050405020304" pitchFamily="18" charset="0"/>
+              <a:cs typeface="Arial" panose="020B0604020202020204" pitchFamily="34" charset="0"/>
+            </a:endParaRPr>
+          </a:p>
+          <a:p>
+            <a:pPr marL="342900" lvl="0" indent="-342900">
+              <a:spcBef>
+                <a:spcPts val="300"/>
+              </a:spcBef>
+              <a:spcAft>
+                <a:spcPts val="300"/>
+              </a:spcAft>
+              <a:buFont typeface="Symbol" panose="05050102010706020507" pitchFamily="18" charset="2"/>
+              <a:buAutoNum type="arabicPeriod"/>
+              <a:tabLst>
+                <a:tab pos="228600" algn="l"/>
+              </a:tabLst>
+            </a:pPr>
+            <a:r>
+              <a:rPr lang="pt-BR" sz="1600" dirty="0">
+                <a:solidFill>
+                  <a:srgbClr val="000000"/>
+                </a:solidFill>
+                <a:latin typeface="Arial" panose="020B0604020202020204" pitchFamily="34" charset="0"/>
+                <a:ea typeface="Times New Roman" panose="02020603050405020304" pitchFamily="18" charset="0"/>
+                <a:cs typeface="Arial" panose="020B0604020202020204" pitchFamily="34" charset="0"/>
+              </a:rPr>
+              <a:t>Seguindo a regra de negócio do [RF41].</a:t>
+            </a:r>
+            <a:endParaRPr lang="pt-BR" sz="1600" i="1" dirty="0">
+              <a:solidFill>
+                <a:srgbClr val="000000"/>
+              </a:solidFill>
+              <a:effectLst/>
+              <a:latin typeface="Arial" panose="020B0604020202020204" pitchFamily="34" charset="0"/>
+              <a:ea typeface="Times New Roman" panose="02020603050405020304" pitchFamily="18" charset="0"/>
+              <a:cs typeface="Arial" panose="020B0604020202020204" pitchFamily="34" charset="0"/>
+            </a:endParaRPr>
+          </a:p>
+        </p:txBody>
+      </p:sp>
     </p:spTree>
   </p:cSld>
   <p:clrMapOvr>
@@ -6381,7 +6467,7 @@
           <p:nvPr/>
         </p:nvPicPr>
         <p:blipFill>
-          <a:blip r:embed="rId2">
+          <a:blip r:embed="rId2" cstate="print">
             <a:extLst>
               <a:ext uri="{28A0092B-C50C-407E-A947-70E740481C1C}">
                 <a14:useLocalDpi xmlns:a14="http://schemas.microsoft.com/office/drawing/2010/main" val="0"/>
@@ -6395,8 +6481,8 @@
         </p:blipFill>
         <p:spPr bwMode="auto">
           <a:xfrm>
-            <a:off x="2438400" y="1295400"/>
-            <a:ext cx="4351898" cy="5181600"/>
+            <a:off x="2590800" y="1295400"/>
+            <a:ext cx="3657600" cy="4267200"/>
           </a:xfrm>
           <a:prstGeom prst="rect">
             <a:avLst/>
@@ -6426,6 +6512,144 @@
           </a:extLst>
         </p:spPr>
       </p:pic>
+      <p:sp>
+        <p:nvSpPr>
+          <p:cNvPr id="5" name="object 4"/>
+          <p:cNvSpPr/>
+          <p:nvPr/>
+        </p:nvSpPr>
+        <p:spPr>
+          <a:xfrm>
+            <a:off x="1038296" y="5638800"/>
+            <a:ext cx="6934200" cy="961687"/>
+          </a:xfrm>
+          <a:custGeom>
+            <a:avLst/>
+            <a:gdLst/>
+            <a:ahLst/>
+            <a:cxnLst/>
+            <a:rect l="l" t="t" r="r" b="b"/>
+            <a:pathLst>
+              <a:path w="6934200" h="1339215">
+                <a:moveTo>
+                  <a:pt x="0" y="1338707"/>
+                </a:moveTo>
+                <a:lnTo>
+                  <a:pt x="6933692" y="1338707"/>
+                </a:lnTo>
+                <a:lnTo>
+                  <a:pt x="6933692" y="0"/>
+                </a:lnTo>
+                <a:lnTo>
+                  <a:pt x="0" y="0"/>
+                </a:lnTo>
+                <a:lnTo>
+                  <a:pt x="0" y="1338707"/>
+                </a:lnTo>
+                <a:close/>
+              </a:path>
+            </a:pathLst>
+          </a:custGeom>
+          <a:ln w="25400">
+            <a:solidFill>
+              <a:srgbClr val="9BBA58"/>
+            </a:solidFill>
+          </a:ln>
+        </p:spPr>
+        <p:txBody>
+          <a:bodyPr wrap="square" lIns="0" tIns="0" rIns="0" bIns="0" rtlCol="0"/>
+          <a:lstStyle/>
+          <a:p>
+            <a:endParaRPr/>
+          </a:p>
+        </p:txBody>
+      </p:sp>
+      <p:sp>
+        <p:nvSpPr>
+          <p:cNvPr id="2" name="Retângulo 1"/>
+          <p:cNvSpPr/>
+          <p:nvPr/>
+        </p:nvSpPr>
+        <p:spPr>
+          <a:xfrm>
+            <a:off x="1228796" y="5711839"/>
+            <a:ext cx="6743700" cy="815608"/>
+          </a:xfrm>
+          <a:prstGeom prst="rect">
+            <a:avLst/>
+          </a:prstGeom>
+        </p:spPr>
+        <p:txBody>
+          <a:bodyPr wrap="square">
+            <a:spAutoFit/>
+          </a:bodyPr>
+          <a:lstStyle/>
+          <a:p>
+            <a:pPr algn="just">
+              <a:spcBef>
+                <a:spcPts val="300"/>
+              </a:spcBef>
+              <a:spcAft>
+                <a:spcPts val="300"/>
+              </a:spcAft>
+            </a:pPr>
+            <a:r>
+              <a:rPr lang="pt-BR" sz="1400" b="1" dirty="0">
+                <a:solidFill>
+                  <a:srgbClr val="000000"/>
+                </a:solidFill>
+                <a:latin typeface="Arial" panose="020B0604020202020204" pitchFamily="34" charset="0"/>
+                <a:ea typeface="Times New Roman" panose="02020603050405020304" pitchFamily="18" charset="0"/>
+                <a:cs typeface="Arial" panose="020B0604020202020204" pitchFamily="34" charset="0"/>
+              </a:rPr>
+              <a:t>Requisitos Não Funcionais e Regras de Negócio:</a:t>
+            </a:r>
+            <a:endParaRPr lang="pt-BR" sz="1400" i="1" dirty="0">
+              <a:solidFill>
+                <a:srgbClr val="000000"/>
+              </a:solidFill>
+              <a:latin typeface="Arial" panose="020B0604020202020204" pitchFamily="34" charset="0"/>
+              <a:ea typeface="Times New Roman" panose="02020603050405020304" pitchFamily="18" charset="0"/>
+              <a:cs typeface="Arial" panose="020B0604020202020204" pitchFamily="34" charset="0"/>
+            </a:endParaRPr>
+          </a:p>
+          <a:p>
+            <a:pPr marL="342900" lvl="0" indent="-342900">
+              <a:spcBef>
+                <a:spcPts val="300"/>
+              </a:spcBef>
+              <a:spcAft>
+                <a:spcPts val="300"/>
+              </a:spcAft>
+              <a:buFont typeface="Symbol" panose="05050102010706020507" pitchFamily="18" charset="2"/>
+              <a:buAutoNum type="arabicPeriod"/>
+              <a:tabLst>
+                <a:tab pos="228600" algn="l"/>
+              </a:tabLst>
+            </a:pPr>
+            <a:r>
+              <a:rPr lang="pt-BR" sz="1400" dirty="0">
+                <a:solidFill>
+                  <a:srgbClr val="000000"/>
+                </a:solidFill>
+                <a:latin typeface="Arial" panose="020B0604020202020204" pitchFamily="34" charset="0"/>
+                <a:ea typeface="Times New Roman" panose="02020603050405020304" pitchFamily="18" charset="0"/>
+                <a:cs typeface="Arial" panose="020B0604020202020204" pitchFamily="34" charset="0"/>
+              </a:rPr>
+              <a:t>O sistema emitira um alerta se o Professor tentar criar uma avaliação que juntamente com as outras, ultrapasse 100 pontos.</a:t>
+            </a:r>
+            <a:endParaRPr lang="pt-BR" sz="1400" i="1" dirty="0">
+              <a:solidFill>
+                <a:srgbClr val="000000"/>
+              </a:solidFill>
+              <a:effectLst/>
+              <a:latin typeface="Arial" panose="020B0604020202020204" pitchFamily="34" charset="0"/>
+              <a:ea typeface="Times New Roman" panose="02020603050405020304" pitchFamily="18" charset="0"/>
+              <a:cs typeface="Arial" panose="020B0604020202020204" pitchFamily="34" charset="0"/>
+            </a:endParaRPr>
+          </a:p>
+        </p:txBody>
+      </p:sp>
     </p:spTree>
     <p:extLst>
       <p:ext uri="{BB962C8B-B14F-4D97-AF65-F5344CB8AC3E}">
